--- a/Scrum Board/OnlineExam_PPT.pptx
+++ b/Scrum Board/OnlineExam_PPT.pptx
@@ -14,8 +14,8 @@
     <p:sldId id="263" r:id="rId5"/>
     <p:sldId id="264" r:id="rId6"/>
     <p:sldId id="290" r:id="rId7"/>
-    <p:sldId id="269" r:id="rId8"/>
-    <p:sldId id="259" r:id="rId9"/>
+    <p:sldId id="299" r:id="rId8"/>
+    <p:sldId id="300" r:id="rId9"/>
     <p:sldId id="288" r:id="rId10"/>
     <p:sldId id="270" r:id="rId11"/>
     <p:sldId id="291" r:id="rId12"/>
@@ -31,8 +31,8 @@
     <p:sldId id="281" r:id="rId22"/>
     <p:sldId id="278" r:id="rId23"/>
     <p:sldId id="292" r:id="rId24"/>
-    <p:sldId id="289" r:id="rId25"/>
-    <p:sldId id="298" r:id="rId26"/>
+    <p:sldId id="298" r:id="rId25"/>
+    <p:sldId id="289" r:id="rId26"/>
     <p:sldId id="272" r:id="rId27"/>
     <p:sldId id="257" r:id="rId28"/>
   </p:sldIdLst>
@@ -21909,6 +21909,128 @@
   <p:cSld>
     <p:spTree>
       <p:nvGrpSpPr>
+        <p:cNvPr id="1" name=""/>
+        <p:cNvGrpSpPr/>
+        <p:nvPr/>
+      </p:nvGrpSpPr>
+      <p:grpSpPr>
+        <a:xfrm>
+          <a:off x="0" y="0"/>
+          <a:ext cx="0" cy="0"/>
+          <a:chOff x="0" y="0"/>
+          <a:chExt cx="0" cy="0"/>
+        </a:xfrm>
+      </p:grpSpPr>
+      <p:sp>
+        <p:nvSpPr>
+          <p:cNvPr id="2" name="Title 1"/>
+          <p:cNvSpPr>
+            <a:spLocks noGrp="1"/>
+          </p:cNvSpPr>
+          <p:nvPr>
+            <p:ph type="title"/>
+          </p:nvPr>
+        </p:nvSpPr>
+        <p:spPr>
+          <a:xfrm>
+            <a:off x="0" y="835307"/>
+            <a:ext cx="12192000" cy="789386"/>
+          </a:xfrm>
+        </p:spPr>
+        <p:txBody>
+          <a:bodyPr/>
+          <a:lstStyle/>
+          <a:p>
+            <a:r>
+              <a:rPr lang="en-US" dirty="0" smtClean="0">
+                <a:solidFill>
+                  <a:srgbClr val="002060"/>
+                </a:solidFill>
+                <a:effectLst>
+                  <a:outerShdw blurRad="38100" dist="38100" dir="2700000" algn="tl">
+                    <a:srgbClr val="000000">
+                      <a:alpha val="43137"/>
+                    </a:srgbClr>
+                  </a:outerShdw>
+                </a:effectLst>
+                <a:latin typeface="Ubuntu" panose="020B05040306020A0204" pitchFamily="34" charset="0"/>
+              </a:rPr>
+              <a:t>SCRUM</a:t>
+            </a:r>
+            <a:endParaRPr lang="en-US" dirty="0">
+              <a:solidFill>
+                <a:srgbClr val="002060"/>
+              </a:solidFill>
+              <a:effectLst>
+                <a:outerShdw blurRad="38100" dist="38100" dir="2700000" algn="tl">
+                  <a:srgbClr val="000000">
+                    <a:alpha val="43137"/>
+                  </a:srgbClr>
+                </a:outerShdw>
+              </a:effectLst>
+              <a:latin typeface="Ubuntu" panose="020B05040306020A0204" pitchFamily="34" charset="0"/>
+            </a:endParaRPr>
+          </a:p>
+        </p:txBody>
+      </p:sp>
+      <p:pic>
+        <p:nvPicPr>
+          <p:cNvPr id="3" name="Picture 2"/>
+          <p:cNvPicPr>
+            <a:picLocks noChangeAspect="1"/>
+          </p:cNvPicPr>
+          <p:nvPr/>
+        </p:nvPicPr>
+        <p:blipFill>
+          <a:blip r:embed="rId2">
+            <a:extLst>
+              <a:ext uri="{28A0092B-C50C-407E-A947-70E740481C1C}">
+                <a14:useLocalDpi xmlns:a14="http://schemas.microsoft.com/office/drawing/2010/main" val="0"/>
+              </a:ext>
+            </a:extLst>
+          </a:blip>
+          <a:stretch>
+            <a:fillRect/>
+          </a:stretch>
+        </p:blipFill>
+        <p:spPr>
+          <a:xfrm>
+            <a:off x="987879" y="1721884"/>
+            <a:ext cx="10474777" cy="4142250"/>
+          </a:xfrm>
+          <a:prstGeom prst="rect">
+            <a:avLst/>
+          </a:prstGeom>
+        </p:spPr>
+      </p:pic>
+    </p:spTree>
+    <p:extLst>
+      <p:ext uri="{BB962C8B-B14F-4D97-AF65-F5344CB8AC3E}">
+        <p14:creationId xmlns:p14="http://schemas.microsoft.com/office/powerpoint/2010/main" val="277435496"/>
+      </p:ext>
+    </p:extLst>
+  </p:cSld>
+  <p:clrMapOvr>
+    <a:masterClrMapping/>
+  </p:clrMapOvr>
+  <p:transition spd="slow">
+    <p:push dir="u"/>
+  </p:transition>
+  <p:timing>
+    <p:tnLst>
+      <p:par>
+        <p:cTn id="1" dur="indefinite" restart="never" nodeType="tmRoot"/>
+      </p:par>
+    </p:tnLst>
+  </p:timing>
+</p:sld>
+</file>
+
+<file path=ppt/slides/slide24.xml><?xml version="1.0" encoding="utf-8"?>
+<p:sld xmlns:a="http://schemas.openxmlformats.org/drawingml/2006/main" xmlns:r="http://schemas.openxmlformats.org/officeDocument/2006/relationships" xmlns:p="http://schemas.openxmlformats.org/presentationml/2006/main">
+  <p:cSld>
+    <p:spTree>
+      <p:nvGrpSpPr>
         <p:cNvPr id="1" name="Shape 668"/>
         <p:cNvGrpSpPr/>
         <p:nvPr/>
@@ -23844,128 +23966,6 @@
     <p:extLst>
       <p:ext uri="{BB962C8B-B14F-4D97-AF65-F5344CB8AC3E}">
         <p14:creationId xmlns:p14="http://schemas.microsoft.com/office/powerpoint/2010/main" val="1240378730"/>
-      </p:ext>
-    </p:extLst>
-  </p:cSld>
-  <p:clrMapOvr>
-    <a:masterClrMapping/>
-  </p:clrMapOvr>
-  <p:transition spd="slow">
-    <p:push dir="u"/>
-  </p:transition>
-  <p:timing>
-    <p:tnLst>
-      <p:par>
-        <p:cTn id="1" dur="indefinite" restart="never" nodeType="tmRoot"/>
-      </p:par>
-    </p:tnLst>
-  </p:timing>
-</p:sld>
-</file>
-
-<file path=ppt/slides/slide24.xml><?xml version="1.0" encoding="utf-8"?>
-<p:sld xmlns:a="http://schemas.openxmlformats.org/drawingml/2006/main" xmlns:r="http://schemas.openxmlformats.org/officeDocument/2006/relationships" xmlns:p="http://schemas.openxmlformats.org/presentationml/2006/main">
-  <p:cSld>
-    <p:spTree>
-      <p:nvGrpSpPr>
-        <p:cNvPr id="1" name=""/>
-        <p:cNvGrpSpPr/>
-        <p:nvPr/>
-      </p:nvGrpSpPr>
-      <p:grpSpPr>
-        <a:xfrm>
-          <a:off x="0" y="0"/>
-          <a:ext cx="0" cy="0"/>
-          <a:chOff x="0" y="0"/>
-          <a:chExt cx="0" cy="0"/>
-        </a:xfrm>
-      </p:grpSpPr>
-      <p:sp>
-        <p:nvSpPr>
-          <p:cNvPr id="2" name="Title 1"/>
-          <p:cNvSpPr>
-            <a:spLocks noGrp="1"/>
-          </p:cNvSpPr>
-          <p:nvPr>
-            <p:ph type="title"/>
-          </p:nvPr>
-        </p:nvSpPr>
-        <p:spPr>
-          <a:xfrm>
-            <a:off x="0" y="835307"/>
-            <a:ext cx="12192000" cy="789386"/>
-          </a:xfrm>
-        </p:spPr>
-        <p:txBody>
-          <a:bodyPr/>
-          <a:lstStyle/>
-          <a:p>
-            <a:r>
-              <a:rPr lang="en-US" dirty="0" smtClean="0">
-                <a:solidFill>
-                  <a:srgbClr val="002060"/>
-                </a:solidFill>
-                <a:effectLst>
-                  <a:outerShdw blurRad="38100" dist="38100" dir="2700000" algn="tl">
-                    <a:srgbClr val="000000">
-                      <a:alpha val="43137"/>
-                    </a:srgbClr>
-                  </a:outerShdw>
-                </a:effectLst>
-                <a:latin typeface="Ubuntu" panose="020B05040306020A0204" pitchFamily="34" charset="0"/>
-              </a:rPr>
-              <a:t>SCRUM</a:t>
-            </a:r>
-            <a:endParaRPr lang="en-US" dirty="0">
-              <a:solidFill>
-                <a:srgbClr val="002060"/>
-              </a:solidFill>
-              <a:effectLst>
-                <a:outerShdw blurRad="38100" dist="38100" dir="2700000" algn="tl">
-                  <a:srgbClr val="000000">
-                    <a:alpha val="43137"/>
-                  </a:srgbClr>
-                </a:outerShdw>
-              </a:effectLst>
-              <a:latin typeface="Ubuntu" panose="020B05040306020A0204" pitchFamily="34" charset="0"/>
-            </a:endParaRPr>
-          </a:p>
-        </p:txBody>
-      </p:sp>
-      <p:pic>
-        <p:nvPicPr>
-          <p:cNvPr id="3" name="Picture 2"/>
-          <p:cNvPicPr>
-            <a:picLocks noChangeAspect="1"/>
-          </p:cNvPicPr>
-          <p:nvPr/>
-        </p:nvPicPr>
-        <p:blipFill>
-          <a:blip r:embed="rId2">
-            <a:extLst>
-              <a:ext uri="{28A0092B-C50C-407E-A947-70E740481C1C}">
-                <a14:useLocalDpi xmlns:a14="http://schemas.microsoft.com/office/drawing/2010/main" val="0"/>
-              </a:ext>
-            </a:extLst>
-          </a:blip>
-          <a:stretch>
-            <a:fillRect/>
-          </a:stretch>
-        </p:blipFill>
-        <p:spPr>
-          <a:xfrm>
-            <a:off x="987879" y="1721884"/>
-            <a:ext cx="10474777" cy="4142250"/>
-          </a:xfrm>
-          <a:prstGeom prst="rect">
-            <a:avLst/>
-          </a:prstGeom>
-        </p:spPr>
-      </p:pic>
-    </p:spTree>
-    <p:extLst>
-      <p:ext uri="{BB962C8B-B14F-4D97-AF65-F5344CB8AC3E}">
-        <p14:creationId xmlns:p14="http://schemas.microsoft.com/office/powerpoint/2010/main" val="277435496"/>
       </p:ext>
     </p:extLst>
   </p:cSld>
@@ -26204,7 +26204,25 @@
                 <a:latin typeface="Ubuntu Light" panose="020B0304030602030204" pitchFamily="34" charset="0"/>
                 <a:cs typeface="Times New Roman" panose="02020603050405020304" charset="0"/>
               </a:rPr>
-              <a:t> </a:t>
+              <a:t> LTIeQ </a:t>
+            </a:r>
+            <a:r>
+              <a:rPr lang="en-IN" altLang="en-GB" sz="2000" dirty="0">
+                <a:gradFill>
+                  <a:gsLst>
+                    <a:gs pos="0">
+                      <a:srgbClr val="012D86"/>
+                    </a:gs>
+                    <a:gs pos="100000">
+                      <a:srgbClr val="0E2557"/>
+                    </a:gs>
+                  </a:gsLst>
+                  <a:lin scaled="0"/>
+                </a:gradFill>
+                <a:latin typeface="Ubuntu Light" panose="020B0304030602030204" pitchFamily="34" charset="0"/>
+                <a:cs typeface="Times New Roman" panose="02020603050405020304" charset="0"/>
+              </a:rPr>
+              <a:t>is a </a:t>
             </a:r>
             <a:r>
               <a:rPr lang="en-IN" altLang="en-GB" sz="2000" dirty="0" smtClean="0">
@@ -26222,7 +26240,7 @@
                 <a:latin typeface="Ubuntu Light" panose="020B0304030602030204" pitchFamily="34" charset="0"/>
                 <a:cs typeface="Times New Roman" panose="02020603050405020304" charset="0"/>
               </a:rPr>
-              <a:t>LTIeQ </a:t>
+              <a:t>Web </a:t>
             </a:r>
             <a:r>
               <a:rPr lang="en-IN" altLang="en-GB" sz="2000" dirty="0">
@@ -26240,7 +26258,25 @@
                 <a:latin typeface="Ubuntu Light" panose="020B0304030602030204" pitchFamily="34" charset="0"/>
                 <a:cs typeface="Times New Roman" panose="02020603050405020304" charset="0"/>
               </a:rPr>
-              <a:t>is a web based online exam management </a:t>
+              <a:t>B</a:t>
+            </a:r>
+            <a:r>
+              <a:rPr lang="en-IN" altLang="en-GB" sz="2000" dirty="0" smtClean="0">
+                <a:gradFill>
+                  <a:gsLst>
+                    <a:gs pos="0">
+                      <a:srgbClr val="012D86"/>
+                    </a:gs>
+                    <a:gs pos="100000">
+                      <a:srgbClr val="0E2557"/>
+                    </a:gs>
+                  </a:gsLst>
+                  <a:lin scaled="0"/>
+                </a:gradFill>
+                <a:latin typeface="Ubuntu Light" panose="020B0304030602030204" pitchFamily="34" charset="0"/>
+                <a:cs typeface="Times New Roman" panose="02020603050405020304" charset="0"/>
+              </a:rPr>
+              <a:t>ased Online </a:t>
             </a:r>
             <a:r>
               <a:rPr lang="en-IN" altLang="en-GB" sz="2000" dirty="0">
@@ -26258,7 +26294,7 @@
                 <a:latin typeface="Ubuntu Light" panose="020B0304030602030204" pitchFamily="34" charset="0"/>
                 <a:cs typeface="Times New Roman" panose="02020603050405020304" charset="0"/>
               </a:rPr>
-              <a:t>system which maintains the records, reports, student details and question set in the system</a:t>
+              <a:t>E</a:t>
             </a:r>
             <a:r>
               <a:rPr lang="en-IN" altLang="en-GB" sz="2000" dirty="0" smtClean="0">
@@ -26276,7 +26312,79 @@
                 <a:latin typeface="Ubuntu Light" panose="020B0304030602030204" pitchFamily="34" charset="0"/>
                 <a:cs typeface="Times New Roman" panose="02020603050405020304" charset="0"/>
               </a:rPr>
-              <a:t>.</a:t>
+              <a:t>xam </a:t>
+            </a:r>
+            <a:r>
+              <a:rPr lang="en-IN" altLang="en-GB" sz="2000" dirty="0">
+                <a:gradFill>
+                  <a:gsLst>
+                    <a:gs pos="0">
+                      <a:srgbClr val="012D86"/>
+                    </a:gs>
+                    <a:gs pos="100000">
+                      <a:srgbClr val="0E2557"/>
+                    </a:gs>
+                  </a:gsLst>
+                  <a:lin scaled="0"/>
+                </a:gradFill>
+                <a:latin typeface="Ubuntu Light" panose="020B0304030602030204" pitchFamily="34" charset="0"/>
+                <a:cs typeface="Times New Roman" panose="02020603050405020304" charset="0"/>
+              </a:rPr>
+              <a:t>M</a:t>
+            </a:r>
+            <a:r>
+              <a:rPr lang="en-IN" altLang="en-GB" sz="2000" dirty="0" smtClean="0">
+                <a:gradFill>
+                  <a:gsLst>
+                    <a:gs pos="0">
+                      <a:srgbClr val="012D86"/>
+                    </a:gs>
+                    <a:gs pos="100000">
+                      <a:srgbClr val="0E2557"/>
+                    </a:gs>
+                  </a:gsLst>
+                  <a:lin scaled="0"/>
+                </a:gradFill>
+                <a:latin typeface="Ubuntu Light" panose="020B0304030602030204" pitchFamily="34" charset="0"/>
+                <a:cs typeface="Times New Roman" panose="02020603050405020304" charset="0"/>
+              </a:rPr>
+              <a:t>anagement </a:t>
+            </a:r>
+            <a:r>
+              <a:rPr lang="en-IN" altLang="en-GB" sz="2000" dirty="0">
+                <a:gradFill>
+                  <a:gsLst>
+                    <a:gs pos="0">
+                      <a:srgbClr val="012D86"/>
+                    </a:gs>
+                    <a:gs pos="100000">
+                      <a:srgbClr val="0E2557"/>
+                    </a:gs>
+                  </a:gsLst>
+                  <a:lin scaled="0"/>
+                </a:gradFill>
+                <a:latin typeface="Ubuntu Light" panose="020B0304030602030204" pitchFamily="34" charset="0"/>
+                <a:cs typeface="Times New Roman" panose="02020603050405020304" charset="0"/>
+              </a:rPr>
+              <a:t>S</a:t>
+            </a:r>
+            <a:r>
+              <a:rPr lang="en-IN" altLang="en-GB" sz="2000" dirty="0" smtClean="0">
+                <a:gradFill>
+                  <a:gsLst>
+                    <a:gs pos="0">
+                      <a:srgbClr val="012D86"/>
+                    </a:gs>
+                    <a:gs pos="100000">
+                      <a:srgbClr val="0E2557"/>
+                    </a:gs>
+                  </a:gsLst>
+                  <a:lin scaled="0"/>
+                </a:gradFill>
+                <a:latin typeface="Ubuntu Light" panose="020B0304030602030204" pitchFamily="34" charset="0"/>
+                <a:cs typeface="Times New Roman" panose="02020603050405020304" charset="0"/>
+              </a:rPr>
+              <a:t>ystem which helps organizations maintain and analyze candidate’s performance in various different tests.  </a:t>
             </a:r>
             <a:endParaRPr lang="en-IN" altLang="en-GB" sz="2000" dirty="0">
               <a:gradFill>
@@ -26295,134 +26403,6 @@
             </a:endParaRPr>
           </a:p>
           <a:p>
-            <a:r>
-              <a:rPr lang="en-IN" altLang="en-GB" sz="2000" dirty="0" smtClean="0">
-                <a:gradFill>
-                  <a:gsLst>
-                    <a:gs pos="0">
-                      <a:srgbClr val="012D86"/>
-                    </a:gs>
-                    <a:gs pos="100000">
-                      <a:srgbClr val="0E2557"/>
-                    </a:gs>
-                  </a:gsLst>
-                  <a:lin scaled="0"/>
-                </a:gradFill>
-                <a:latin typeface="Ubuntu Light" panose="020B0304030602030204" pitchFamily="34" charset="0"/>
-                <a:cs typeface="Times New Roman" panose="02020603050405020304" charset="0"/>
-              </a:rPr>
-              <a:t>LTIeQ Users </a:t>
-            </a:r>
-            <a:r>
-              <a:rPr lang="en-IN" altLang="en-GB" sz="2000" dirty="0" smtClean="0">
-                <a:gradFill>
-                  <a:gsLst>
-                    <a:gs pos="0">
-                      <a:srgbClr val="012D86"/>
-                    </a:gs>
-                    <a:gs pos="100000">
-                      <a:srgbClr val="0E2557"/>
-                    </a:gs>
-                  </a:gsLst>
-                  <a:lin scaled="0"/>
-                </a:gradFill>
-                <a:latin typeface="Ubuntu Light" panose="020B0304030602030204" pitchFamily="34" charset="0"/>
-                <a:cs typeface="Times New Roman" panose="02020603050405020304" charset="0"/>
-              </a:rPr>
-              <a:t>will register, give test </a:t>
-            </a:r>
-            <a:r>
-              <a:rPr lang="en-IN" altLang="en-GB" sz="2000" dirty="0">
-                <a:gradFill>
-                  <a:gsLst>
-                    <a:gs pos="0">
-                      <a:srgbClr val="012D86"/>
-                    </a:gs>
-                    <a:gs pos="100000">
-                      <a:srgbClr val="0E2557"/>
-                    </a:gs>
-                  </a:gsLst>
-                  <a:lin scaled="0"/>
-                </a:gradFill>
-                <a:latin typeface="Ubuntu Light" panose="020B0304030602030204" pitchFamily="34" charset="0"/>
-                <a:cs typeface="Times New Roman" panose="02020603050405020304" charset="0"/>
-              </a:rPr>
-              <a:t>and </a:t>
-            </a:r>
-            <a:r>
-              <a:rPr lang="en-IN" altLang="en-GB" sz="2000" dirty="0" smtClean="0">
-                <a:gradFill>
-                  <a:gsLst>
-                    <a:gs pos="0">
-                      <a:srgbClr val="012D86"/>
-                    </a:gs>
-                    <a:gs pos="100000">
-                      <a:srgbClr val="0E2557"/>
-                    </a:gs>
-                  </a:gsLst>
-                  <a:lin scaled="0"/>
-                </a:gradFill>
-                <a:latin typeface="Ubuntu Light" panose="020B0304030602030204" pitchFamily="34" charset="0"/>
-                <a:cs typeface="Times New Roman" panose="02020603050405020304" charset="0"/>
-              </a:rPr>
-              <a:t>can also </a:t>
-            </a:r>
-            <a:r>
-              <a:rPr lang="en-IN" altLang="en-GB" sz="2000" dirty="0">
-                <a:gradFill>
-                  <a:gsLst>
-                    <a:gs pos="0">
-                      <a:srgbClr val="012D86"/>
-                    </a:gs>
-                    <a:gs pos="100000">
-                      <a:srgbClr val="0E2557"/>
-                    </a:gs>
-                  </a:gsLst>
-                  <a:lin scaled="0"/>
-                </a:gradFill>
-                <a:latin typeface="Ubuntu Light" panose="020B0304030602030204" pitchFamily="34" charset="0"/>
-                <a:cs typeface="Times New Roman" panose="02020603050405020304" charset="0"/>
-              </a:rPr>
-              <a:t>reset the </a:t>
-            </a:r>
-            <a:r>
-              <a:rPr lang="en-IN" altLang="en-GB" sz="2000" dirty="0" smtClean="0">
-                <a:gradFill>
-                  <a:gsLst>
-                    <a:gs pos="0">
-                      <a:srgbClr val="012D86"/>
-                    </a:gs>
-                    <a:gs pos="100000">
-                      <a:srgbClr val="0E2557"/>
-                    </a:gs>
-                  </a:gsLst>
-                  <a:lin scaled="0"/>
-                </a:gradFill>
-                <a:latin typeface="Ubuntu Light" panose="020B0304030602030204" pitchFamily="34" charset="0"/>
-                <a:cs typeface="Times New Roman" panose="02020603050405020304" charset="0"/>
-              </a:rPr>
-              <a:t>password (if needed)</a:t>
-            </a:r>
-          </a:p>
-          <a:p>
-            <a:r>
-              <a:rPr lang="en-IN" altLang="en-GB" sz="2000" dirty="0" smtClean="0">
-                <a:gradFill>
-                  <a:gsLst>
-                    <a:gs pos="0">
-                      <a:srgbClr val="012D86"/>
-                    </a:gs>
-                    <a:gs pos="100000">
-                      <a:srgbClr val="0E2557"/>
-                    </a:gs>
-                  </a:gsLst>
-                  <a:lin scaled="0"/>
-                </a:gradFill>
-                <a:latin typeface="Ubuntu Light" panose="020B0304030602030204" pitchFamily="34" charset="0"/>
-                <a:cs typeface="Times New Roman" panose="02020603050405020304" charset="0"/>
-              </a:rPr>
-              <a:t> </a:t>
-            </a:r>
             <a:r>
               <a:rPr lang="en-IN" altLang="en-GB" sz="2000" dirty="0" smtClean="0">
                 <a:gradFill>
@@ -26475,27 +26455,7 @@
                 <a:latin typeface="Ubuntu Light" panose="020B0304030602030204" pitchFamily="34" charset="0"/>
                 <a:cs typeface="Times New Roman" panose="02020603050405020304" charset="0"/>
               </a:rPr>
-              <a:t>educational as well as Cooperate firms for conducting mass-evaluation. </a:t>
-            </a:r>
-          </a:p>
-          <a:p>
-            <a:r>
-              <a:rPr lang="en-IN" altLang="en-GB" sz="2000" dirty="0" smtClean="0">
-                <a:gradFill>
-                  <a:gsLst>
-                    <a:gs pos="0">
-                      <a:srgbClr val="012D86"/>
-                    </a:gs>
-                    <a:gs pos="100000">
-                      <a:srgbClr val="0E2557"/>
-                    </a:gs>
-                  </a:gsLst>
-                  <a:lin scaled="0"/>
-                </a:gradFill>
-                <a:latin typeface="Ubuntu Light" panose="020B0304030602030204" pitchFamily="34" charset="0"/>
-                <a:cs typeface="Times New Roman" panose="02020603050405020304" charset="0"/>
-              </a:rPr>
-              <a:t> Recruiting agencies and study centres will also </a:t>
+              <a:t>Educational as well as Corporate firms for conducting mass-evaluations. Recruiting agencies and study centres will also </a:t>
             </a:r>
             <a:r>
               <a:rPr lang="en-IN" altLang="en-GB" sz="2000" dirty="0">
@@ -26531,25 +26491,7 @@
                 <a:latin typeface="Ubuntu Light" panose="020B0304030602030204" pitchFamily="34" charset="0"/>
                 <a:cs typeface="Times New Roman" panose="02020603050405020304" charset="0"/>
               </a:rPr>
-              <a:t>it for </a:t>
-            </a:r>
-            <a:r>
-              <a:rPr lang="en-IN" altLang="en-GB" sz="2000" dirty="0" smtClean="0">
-                <a:gradFill>
-                  <a:gsLst>
-                    <a:gs pos="0">
-                      <a:srgbClr val="012D86"/>
-                    </a:gs>
-                    <a:gs pos="100000">
-                      <a:srgbClr val="0E2557"/>
-                    </a:gs>
-                  </a:gsLst>
-                  <a:lin scaled="0"/>
-                </a:gradFill>
-                <a:latin typeface="Ubuntu Light" panose="020B0304030602030204" pitchFamily="34" charset="0"/>
-                <a:cs typeface="Times New Roman" panose="02020603050405020304" charset="0"/>
-              </a:rPr>
-              <a:t>easier evaluation to help students learn and grow.</a:t>
+              <a:t>it for easier evaluation to help students and candidates learn and grow.</a:t>
             </a:r>
             <a:endParaRPr lang="en-IN" altLang="en-GB" sz="2000" dirty="0">
               <a:gradFill>
@@ -26569,8 +26511,7 @@
           </a:p>
           <a:p>
             <a:pPr>
-              <a:buFont typeface="Wingdings" panose="05000000000000000000" charset="0"/>
-              <a:buChar char="ü"/>
+              <a:buNone/>
             </a:pPr>
             <a:endParaRPr lang="en-IN" altLang="en-GB" sz="2000" dirty="0">
               <a:gradFill>
@@ -26659,7 +26600,7 @@
               <a:t>     </a:t>
             </a:r>
             <a:r>
-              <a:rPr lang="en-US" altLang="zh-CN" sz="3200" b="1" dirty="0">
+              <a:rPr lang="en-US" altLang="zh-CN" sz="3200" b="1" dirty="0" smtClean="0">
                 <a:solidFill>
                   <a:schemeClr val="accent1"/>
                 </a:solidFill>
@@ -26673,8 +26614,56 @@
                 <a:latin typeface="Ubuntu" panose="020B05040306020A0204" pitchFamily="34" charset="0"/>
                 <a:ea typeface="Microsoft YaHei" panose="020B0503020204020204" charset="-122"/>
               </a:rPr>
-              <a:t> LTIeQ</a:t>
+              <a:t> What is </a:t>
             </a:r>
+            <a:r>
+              <a:rPr lang="en-US" altLang="zh-CN" sz="3200" b="1" dirty="0" err="1" smtClean="0">
+                <a:solidFill>
+                  <a:schemeClr val="accent1"/>
+                </a:solidFill>
+                <a:effectLst>
+                  <a:outerShdw blurRad="38100" dist="38100" dir="2700000" algn="tl" rotWithShape="0">
+                    <a:srgbClr val="000000">
+                      <a:alpha val="43137"/>
+                    </a:srgbClr>
+                  </a:outerShdw>
+                </a:effectLst>
+                <a:latin typeface="Ubuntu" panose="020B05040306020A0204" pitchFamily="34" charset="0"/>
+                <a:ea typeface="Microsoft YaHei" panose="020B0503020204020204" charset="-122"/>
+              </a:rPr>
+              <a:t>LTIeQ</a:t>
+            </a:r>
+            <a:r>
+              <a:rPr lang="en-US" altLang="zh-CN" sz="3200" b="1" dirty="0" smtClean="0">
+                <a:solidFill>
+                  <a:schemeClr val="accent1"/>
+                </a:solidFill>
+                <a:effectLst>
+                  <a:outerShdw blurRad="38100" dist="38100" dir="2700000" algn="tl" rotWithShape="0">
+                    <a:srgbClr val="000000">
+                      <a:alpha val="43137"/>
+                    </a:srgbClr>
+                  </a:outerShdw>
+                </a:effectLst>
+                <a:latin typeface="Ubuntu" panose="020B05040306020A0204" pitchFamily="34" charset="0"/>
+                <a:ea typeface="Microsoft YaHei" panose="020B0503020204020204" charset="-122"/>
+              </a:rPr>
+              <a:t> ?</a:t>
+            </a:r>
+            <a:endParaRPr lang="en-US" altLang="zh-CN" sz="3200" b="1" dirty="0">
+              <a:solidFill>
+                <a:schemeClr val="accent1"/>
+              </a:solidFill>
+              <a:effectLst>
+                <a:outerShdw blurRad="38100" dist="38100" dir="2700000" algn="tl" rotWithShape="0">
+                  <a:srgbClr val="000000">
+                    <a:alpha val="43137"/>
+                  </a:srgbClr>
+                </a:outerShdw>
+              </a:effectLst>
+              <a:latin typeface="Ubuntu" panose="020B05040306020A0204" pitchFamily="34" charset="0"/>
+              <a:ea typeface="Microsoft YaHei" panose="020B0503020204020204" charset="-122"/>
+            </a:endParaRPr>
           </a:p>
         </p:txBody>
       </p:sp>
@@ -26769,6 +26758,11 @@
         </p:spPr>
       </p:pic>
     </p:spTree>
+    <p:extLst>
+      <p:ext uri="{BB962C8B-B14F-4D97-AF65-F5344CB8AC3E}">
+        <p14:creationId xmlns:p14="http://schemas.microsoft.com/office/powerpoint/2010/main" val="1411554771"/>
+      </p:ext>
+    </p:extLst>
   </p:cSld>
   <p:clrMapOvr>
     <a:masterClrMapping/>
@@ -26815,7 +26809,7 @@
         </p:nvSpPr>
         <p:spPr>
           <a:xfrm>
-            <a:off x="708025" y="1491615"/>
+            <a:off x="720217" y="955167"/>
             <a:ext cx="10183132" cy="4876800"/>
           </a:xfrm>
         </p:spPr>
@@ -26826,24 +26820,21 @@
             <a:pPr marL="0" indent="0">
               <a:buNone/>
             </a:pPr>
-            <a:r>
-              <a:rPr lang="en-US" sz="2000" dirty="0">
-                <a:gradFill>
-                  <a:gsLst>
-                    <a:gs pos="0">
-                      <a:srgbClr val="012D86"/>
-                    </a:gs>
-                    <a:gs pos="100000">
-                      <a:srgbClr val="0E2557"/>
-                    </a:gs>
-                  </a:gsLst>
-                  <a:lin scaled="0"/>
-                </a:gradFill>
-                <a:latin typeface="Ubuntu Light" panose="020B0304030602030204" pitchFamily="34" charset="0"/>
-                <a:cs typeface="Times New Roman" panose="02020603050405020304" charset="0"/>
-              </a:rPr>
-              <a:t> </a:t>
-            </a:r>
+            <a:endParaRPr lang="en-US" sz="2000" dirty="0">
+              <a:gradFill>
+                <a:gsLst>
+                  <a:gs pos="0">
+                    <a:srgbClr val="012D86"/>
+                  </a:gs>
+                  <a:gs pos="100000">
+                    <a:srgbClr val="0E2557"/>
+                  </a:gs>
+                </a:gsLst>
+                <a:lin scaled="0"/>
+              </a:gradFill>
+              <a:latin typeface="Ubuntu Light" panose="020B0304030602030204" pitchFamily="34" charset="0"/>
+              <a:cs typeface="Times New Roman" panose="02020603050405020304" charset="0"/>
+            </a:endParaRPr>
           </a:p>
           <a:p>
             <a:r>
@@ -26952,42 +26943,7 @@
                 <a:latin typeface="Ubuntu Light" panose="020B0304030602030204" pitchFamily="34" charset="0"/>
                 <a:cs typeface="Times New Roman" panose="02020603050405020304" charset="0"/>
               </a:rPr>
-              <a:t>system.</a:t>
-            </a:r>
-            <a:endParaRPr lang="en-IN" altLang="en-US" sz="2000" dirty="0">
-              <a:gradFill>
-                <a:gsLst>
-                  <a:gs pos="0">
-                    <a:srgbClr val="012D86"/>
-                  </a:gs>
-                  <a:gs pos="100000">
-                    <a:srgbClr val="0E2557"/>
-                  </a:gs>
-                </a:gsLst>
-                <a:lin scaled="0"/>
-              </a:gradFill>
-              <a:latin typeface="Ubuntu Light" panose="020B0304030602030204" pitchFamily="34" charset="0"/>
-              <a:cs typeface="Times New Roman" panose="02020603050405020304" charset="0"/>
-            </a:endParaRPr>
-          </a:p>
-          <a:p>
-            <a:r>
-              <a:rPr lang="en-IN" altLang="en-US" sz="2000" dirty="0" smtClean="0">
-                <a:gradFill>
-                  <a:gsLst>
-                    <a:gs pos="0">
-                      <a:srgbClr val="012D86"/>
-                    </a:gs>
-                    <a:gs pos="100000">
-                      <a:srgbClr val="0E2557"/>
-                    </a:gs>
-                  </a:gsLst>
-                  <a:lin scaled="0"/>
-                </a:gradFill>
-                <a:latin typeface="Ubuntu Light" panose="020B0304030602030204" pitchFamily="34" charset="0"/>
-                <a:cs typeface="Times New Roman" panose="02020603050405020304" charset="0"/>
-              </a:rPr>
-              <a:t>Easy to access.</a:t>
+              <a:t>system which is easily accessible and has a simple flow.</a:t>
             </a:r>
             <a:endParaRPr lang="en-IN" altLang="en-US" sz="2000" dirty="0">
               <a:gradFill>
@@ -27022,7 +26978,7 @@
                 <a:latin typeface="Ubuntu Light" panose="020B0304030602030204" pitchFamily="34" charset="0"/>
                 <a:cs typeface="Times New Roman" panose="02020603050405020304" charset="0"/>
               </a:rPr>
-              <a:t>The admin </a:t>
+              <a:t>The </a:t>
             </a:r>
             <a:r>
               <a:rPr lang="en-IN" altLang="en-US" sz="2000" dirty="0" smtClean="0">
@@ -27040,7 +26996,7 @@
                 <a:latin typeface="Ubuntu Light" panose="020B0304030602030204" pitchFamily="34" charset="0"/>
                 <a:cs typeface="Times New Roman" panose="02020603050405020304" charset="0"/>
               </a:rPr>
-              <a:t>with a simple click uploads question sets to the database and can remove it when-ever needed.</a:t>
+              <a:t>Admin (Evaluator) with few clicks can upload question sets to the database and can remove or change it based on requirement whenever needed.</a:t>
             </a:r>
           </a:p>
           <a:p>
@@ -27060,10 +27016,28 @@
                 <a:latin typeface="Ubuntu Light" panose="020B0304030602030204" pitchFamily="34" charset="0"/>
                 <a:cs typeface="Times New Roman" panose="02020603050405020304" charset="0"/>
               </a:rPr>
-              <a:t>Admin will view Reports of all users, filter through the reports, individual reports and download reports if needed.</a:t>
+              <a:t>Also, Admin can view consolidated as well as student wise report for analysis of performance of different students. </a:t>
             </a:r>
           </a:p>
           <a:p>
+            <a:r>
+              <a:rPr lang="en-IN" altLang="en-US" sz="2000" dirty="0" smtClean="0">
+                <a:gradFill>
+                  <a:gsLst>
+                    <a:gs pos="0">
+                      <a:srgbClr val="012D86"/>
+                    </a:gs>
+                    <a:gs pos="100000">
+                      <a:srgbClr val="0E2557"/>
+                    </a:gs>
+                  </a:gsLst>
+                  <a:lin scaled="0"/>
+                </a:gradFill>
+                <a:latin typeface="Ubuntu Light" panose="020B0304030602030204" pitchFamily="34" charset="0"/>
+                <a:cs typeface="Times New Roman" panose="02020603050405020304" charset="0"/>
+              </a:rPr>
+              <a:t>The </a:t>
+            </a:r>
             <a:r>
               <a:rPr lang="en-IN" altLang="en-US" sz="2000" dirty="0">
                 <a:gradFill>
@@ -27080,7 +27054,7 @@
                 <a:latin typeface="Ubuntu Light" panose="020B0304030602030204" pitchFamily="34" charset="0"/>
                 <a:cs typeface="Times New Roman" panose="02020603050405020304" charset="0"/>
               </a:rPr>
-              <a:t>The candidate </a:t>
+              <a:t>candidate </a:t>
             </a:r>
             <a:r>
               <a:rPr lang="en-IN" altLang="en-US" sz="2000" dirty="0" smtClean="0">
@@ -27098,7 +27072,7 @@
                 <a:latin typeface="Ubuntu Light" panose="020B0304030602030204" pitchFamily="34" charset="0"/>
                 <a:cs typeface="Times New Roman" panose="02020603050405020304" charset="0"/>
               </a:rPr>
-              <a:t>will login </a:t>
+              <a:t>who logs in </a:t>
             </a:r>
             <a:r>
               <a:rPr lang="en-IN" altLang="en-US" sz="2000" dirty="0">
@@ -27134,7 +27108,7 @@
                 <a:latin typeface="Ubuntu Light" panose="020B0304030602030204" pitchFamily="34" charset="0"/>
                 <a:cs typeface="Times New Roman" panose="02020603050405020304" charset="0"/>
               </a:rPr>
-              <a:t>credentials </a:t>
+              <a:t>credentials  can appear for </a:t>
             </a:r>
             <a:r>
               <a:rPr lang="en-IN" altLang="en-US" sz="2000" dirty="0">
@@ -27152,7 +27126,7 @@
                 <a:latin typeface="Ubuntu Light" panose="020B0304030602030204" pitchFamily="34" charset="0"/>
                 <a:cs typeface="Times New Roman" panose="02020603050405020304" charset="0"/>
               </a:rPr>
-              <a:t>and give the </a:t>
+              <a:t>the </a:t>
             </a:r>
             <a:r>
               <a:rPr lang="en-IN" altLang="en-US" sz="2000" dirty="0" smtClean="0">
@@ -27170,7 +27144,27 @@
                 <a:latin typeface="Ubuntu Light" panose="020B0304030602030204" pitchFamily="34" charset="0"/>
                 <a:cs typeface="Times New Roman" panose="02020603050405020304" charset="0"/>
               </a:rPr>
-              <a:t>test anytime with On-spot results graphical analysis and also save the report with help of download report option.</a:t>
+              <a:t>test anytime with On-spot results and also analyze his/her subject wise performance based on the different graphs which are generated.</a:t>
+            </a:r>
+          </a:p>
+          <a:p>
+            <a:r>
+              <a:rPr lang="en-IN" altLang="en-US" sz="2000" dirty="0" smtClean="0">
+                <a:gradFill>
+                  <a:gsLst>
+                    <a:gs pos="0">
+                      <a:srgbClr val="012D86"/>
+                    </a:gs>
+                    <a:gs pos="100000">
+                      <a:srgbClr val="0E2557"/>
+                    </a:gs>
+                  </a:gsLst>
+                  <a:lin scaled="0"/>
+                </a:gradFill>
+                <a:latin typeface="Ubuntu Light" panose="020B0304030602030204" pitchFamily="34" charset="0"/>
+                <a:cs typeface="Times New Roman" panose="02020603050405020304" charset="0"/>
+              </a:rPr>
+              <a:t>Also, both candidates as well as admin has a feature of downloading the performance reports for future reference and comparative analysis.</a:t>
             </a:r>
             <a:endParaRPr lang="en-IN" altLang="en-US" sz="2000" dirty="0">
               <a:gradFill>
@@ -27355,7 +27349,24 @@
               <a:t> </a:t>
             </a:r>
             <a:r>
-              <a:rPr lang="en-US" altLang="zh-CN" sz="3200" b="1" dirty="0">
+              <a:rPr lang="en-US" altLang="zh-CN" sz="3200" b="1" dirty="0" smtClean="0">
+                <a:solidFill>
+                  <a:schemeClr val="accent1"/>
+                </a:solidFill>
+                <a:effectLst>
+                  <a:outerShdw blurRad="38100" dist="38100" dir="2700000" algn="tl">
+                    <a:srgbClr val="000000">
+                      <a:alpha val="43137"/>
+                    </a:srgbClr>
+                  </a:outerShdw>
+                </a:effectLst>
+                <a:latin typeface="Ubuntu Light" panose="020B0304030602030204" pitchFamily="34" charset="0"/>
+                <a:ea typeface="Microsoft YaHei" panose="020B0503020204020204" charset="-122"/>
+              </a:rPr>
+              <a:t>Scope of </a:t>
+            </a:r>
+            <a:r>
+              <a:rPr lang="en-US" altLang="zh-CN" sz="3200" b="1" dirty="0" err="1" smtClean="0">
                 <a:solidFill>
                   <a:schemeClr val="accent1"/>
                 </a:solidFill>
@@ -27371,43 +27382,19 @@
               </a:rPr>
               <a:t>LTIeQ</a:t>
             </a:r>
-          </a:p>
-        </p:txBody>
-      </p:sp>
-      <p:sp>
-        <p:nvSpPr>
-          <p:cNvPr id="9" name="Title 8"/>
-          <p:cNvSpPr>
-            <a:spLocks noGrp="1"/>
-          </p:cNvSpPr>
-          <p:nvPr>
-            <p:ph type="title"/>
-          </p:nvPr>
-        </p:nvSpPr>
-        <p:spPr>
-          <a:xfrm>
-            <a:off x="542925" y="1345656"/>
-            <a:ext cx="11459013" cy="513080"/>
-          </a:xfrm>
-        </p:spPr>
-        <p:txBody>
-          <a:bodyPr/>
-          <a:lstStyle/>
-          <a:p>
-            <a:pPr marL="0" indent="0">
-              <a:buFont typeface="Arial" panose="020B0604020202020204" pitchFamily="34" charset="0"/>
-              <a:buNone/>
-            </a:pPr>
-            <a:r>
-              <a:rPr lang="en-IN" altLang="en-GB" dirty="0" smtClean="0">
-                <a:latin typeface="Ubuntu Light" panose="020B0304030602030204" pitchFamily="34" charset="0"/>
-                <a:cs typeface="Times New Roman" panose="02020603050405020304" charset="0"/>
-              </a:rPr>
-              <a:t>Scope:</a:t>
-            </a:r>
-            <a:endParaRPr lang="en-IN" altLang="en-GB" dirty="0">
-              <a:latin typeface="Ubuntu Light" panose="020B0304030602030204" pitchFamily="34" charset="0"/>
-              <a:cs typeface="Times New Roman" panose="02020603050405020304" charset="0"/>
+            <a:endParaRPr lang="en-US" altLang="zh-CN" sz="3200" b="1" dirty="0">
+              <a:solidFill>
+                <a:schemeClr val="accent1"/>
+              </a:solidFill>
+              <a:effectLst>
+                <a:outerShdw blurRad="38100" dist="38100" dir="2700000" algn="tl">
+                  <a:srgbClr val="000000">
+                    <a:alpha val="43137"/>
+                  </a:srgbClr>
+                </a:outerShdw>
+              </a:effectLst>
+              <a:latin typeface="Ubuntu" panose="020B05040306020A0204" pitchFamily="34" charset="0"/>
+              <a:ea typeface="Microsoft YaHei" panose="020B0503020204020204" charset="-122"/>
             </a:endParaRPr>
           </a:p>
         </p:txBody>
@@ -27456,6 +27443,11 @@
         </p:txBody>
       </p:sp>
     </p:spTree>
+    <p:extLst>
+      <p:ext uri="{BB962C8B-B14F-4D97-AF65-F5344CB8AC3E}">
+        <p14:creationId xmlns:p14="http://schemas.microsoft.com/office/powerpoint/2010/main" val="2627186554"/>
+      </p:ext>
+    </p:extLst>
   </p:cSld>
   <p:clrMapOvr>
     <a:masterClrMapping/>
